--- a/Hangman.pptx
+++ b/Hangman.pptx
@@ -2684,7 +2684,7 @@
           <a:p>
             <a:fld id="{A5C20BB3-3CCB-4FE5-991B-82F6BCB48AF3}" type="datetimeFigureOut">
               <a:rPr lang="en-US" smtClean="0"/>
-              <a:t>2/7/2021</a:t>
+              <a:t>2/8/2021</a:t>
             </a:fld>
             <a:endParaRPr lang="en-US"/>
           </a:p>
@@ -3098,7 +3098,7 @@
           <a:p>
             <a:fld id="{5D6495F3-B757-4FAF-98AA-EDA7D1485485}" type="datetimeFigureOut">
               <a:rPr lang="en-US" smtClean="0"/>
-              <a:t>2/7/2021</a:t>
+              <a:t>2/8/2021</a:t>
             </a:fld>
             <a:endParaRPr lang="en-US"/>
           </a:p>
@@ -3296,7 +3296,7 @@
           <a:p>
             <a:fld id="{5D6495F3-B757-4FAF-98AA-EDA7D1485485}" type="datetimeFigureOut">
               <a:rPr lang="en-US" smtClean="0"/>
-              <a:t>2/7/2021</a:t>
+              <a:t>2/8/2021</a:t>
             </a:fld>
             <a:endParaRPr lang="en-US"/>
           </a:p>
@@ -3504,7 +3504,7 @@
           <a:p>
             <a:fld id="{5D6495F3-B757-4FAF-98AA-EDA7D1485485}" type="datetimeFigureOut">
               <a:rPr lang="en-US" smtClean="0"/>
-              <a:t>2/7/2021</a:t>
+              <a:t>2/8/2021</a:t>
             </a:fld>
             <a:endParaRPr lang="en-US"/>
           </a:p>
@@ -3702,7 +3702,7 @@
           <a:p>
             <a:fld id="{5D6495F3-B757-4FAF-98AA-EDA7D1485485}" type="datetimeFigureOut">
               <a:rPr lang="en-US" smtClean="0"/>
-              <a:t>2/7/2021</a:t>
+              <a:t>2/8/2021</a:t>
             </a:fld>
             <a:endParaRPr lang="en-US"/>
           </a:p>
@@ -3977,7 +3977,7 @@
           <a:p>
             <a:fld id="{5D6495F3-B757-4FAF-98AA-EDA7D1485485}" type="datetimeFigureOut">
               <a:rPr lang="en-US" smtClean="0"/>
-              <a:t>2/7/2021</a:t>
+              <a:t>2/8/2021</a:t>
             </a:fld>
             <a:endParaRPr lang="en-US"/>
           </a:p>
@@ -4242,7 +4242,7 @@
           <a:p>
             <a:fld id="{5D6495F3-B757-4FAF-98AA-EDA7D1485485}" type="datetimeFigureOut">
               <a:rPr lang="en-US" smtClean="0"/>
-              <a:t>2/7/2021</a:t>
+              <a:t>2/8/2021</a:t>
             </a:fld>
             <a:endParaRPr lang="en-US"/>
           </a:p>
@@ -4654,7 +4654,7 @@
           <a:p>
             <a:fld id="{5D6495F3-B757-4FAF-98AA-EDA7D1485485}" type="datetimeFigureOut">
               <a:rPr lang="en-US" smtClean="0"/>
-              <a:t>2/7/2021</a:t>
+              <a:t>2/8/2021</a:t>
             </a:fld>
             <a:endParaRPr lang="en-US"/>
           </a:p>
@@ -4795,7 +4795,7 @@
           <a:p>
             <a:fld id="{5D6495F3-B757-4FAF-98AA-EDA7D1485485}" type="datetimeFigureOut">
               <a:rPr lang="en-US" smtClean="0"/>
-              <a:t>2/7/2021</a:t>
+              <a:t>2/8/2021</a:t>
             </a:fld>
             <a:endParaRPr lang="en-US"/>
           </a:p>
@@ -4908,7 +4908,7 @@
           <a:p>
             <a:fld id="{5D6495F3-B757-4FAF-98AA-EDA7D1485485}" type="datetimeFigureOut">
               <a:rPr lang="en-US" smtClean="0"/>
-              <a:t>2/7/2021</a:t>
+              <a:t>2/8/2021</a:t>
             </a:fld>
             <a:endParaRPr lang="en-US"/>
           </a:p>
@@ -5219,7 +5219,7 @@
           <a:p>
             <a:fld id="{5D6495F3-B757-4FAF-98AA-EDA7D1485485}" type="datetimeFigureOut">
               <a:rPr lang="en-US" smtClean="0"/>
-              <a:t>2/7/2021</a:t>
+              <a:t>2/8/2021</a:t>
             </a:fld>
             <a:endParaRPr lang="en-US"/>
           </a:p>
@@ -5510,7 +5510,7 @@
           <a:p>
             <a:fld id="{5D6495F3-B757-4FAF-98AA-EDA7D1485485}" type="datetimeFigureOut">
               <a:rPr lang="en-US" smtClean="0"/>
-              <a:t>2/7/2021</a:t>
+              <a:t>2/8/2021</a:t>
             </a:fld>
             <a:endParaRPr lang="en-US"/>
           </a:p>
@@ -5751,7 +5751,7 @@
           <a:p>
             <a:fld id="{5D6495F3-B757-4FAF-98AA-EDA7D1485485}" type="datetimeFigureOut">
               <a:rPr lang="en-US" smtClean="0"/>
-              <a:t>2/7/2021</a:t>
+              <a:t>2/8/2021</a:t>
             </a:fld>
             <a:endParaRPr lang="en-US"/>
           </a:p>
@@ -11699,6 +11699,14 @@
             <a:r>
               <a:rPr lang="es-ES" dirty="0" err="1"/>
               <a:t>to</a:t>
+            </a:r>
+            <a:r>
+              <a:rPr lang="es-ES" dirty="0"/>
+              <a:t> </a:t>
+            </a:r>
+            <a:r>
+              <a:rPr lang="es-ES" dirty="0" err="1"/>
+              <a:t>make</a:t>
             </a:r>
             <a:r>
               <a:rPr lang="es-ES" dirty="0"/>
